--- a/2.pptx
+++ b/2.pptx
@@ -11011,7 +11011,7 @@
             <a:spLocks noGrp="1"/>
           </p:cNvSpPr>
           <p:nvPr>
-            <p:ph type="body" idx="13" hasCustomPrompt="1"/>
+            <p:ph type="body" idx="1" hasCustomPrompt="1"/>
             <p:custDataLst>
               <p:tags r:id="rId31"/>
             </p:custDataLst>
@@ -11019,21 +11019,16 @@
         </p:nvSpPr>
         <p:spPr>
           <a:xfrm>
-            <a:off x="5782310" y="2060575"/>
-            <a:ext cx="1388745" cy="493395"/>
+            <a:off x="5784215" y="2195830"/>
+            <a:ext cx="1337945" cy="518795"/>
           </a:xfrm>
-          <a:ln>
-            <a:noFill/>
-          </a:ln>
         </p:spPr>
         <p:txBody>
-          <a:bodyPr anchor="ctr" anchorCtr="0">
-            <a:noAutofit/>
-          </a:bodyPr>
+          <a:bodyPr anchor="ctr" anchorCtr="0"/>
           <a:lstStyle>
-            <a:lvl1pPr marL="0" indent="0" algn="l">
-              <a:buNone/>
-              <a:defRPr sz="2000" b="0">
+            <a:lvl1pPr marL="0" indent="0">
+              <a:buNone/>
+              <a:defRPr sz="2400">
                 <a:solidFill>
                   <a:srgbClr val="FBA54A"/>
                 </a:solidFill>
@@ -11137,7 +11132,7 @@
             <a:spLocks noGrp="1"/>
           </p:cNvSpPr>
           <p:nvPr>
-            <p:ph type="body" idx="23" hasCustomPrompt="1"/>
+            <p:ph type="body" idx="13" hasCustomPrompt="1"/>
             <p:custDataLst>
               <p:tags r:id="rId32"/>
             </p:custDataLst>
@@ -11145,21 +11140,16 @@
         </p:nvSpPr>
         <p:spPr>
           <a:xfrm>
-            <a:off x="7933690" y="2061210"/>
-            <a:ext cx="1388745" cy="493395"/>
+            <a:off x="7974330" y="2195830"/>
+            <a:ext cx="1337945" cy="518795"/>
           </a:xfrm>
-          <a:ln>
-            <a:noFill/>
-          </a:ln>
         </p:spPr>
         <p:txBody>
-          <a:bodyPr anchor="ctr" anchorCtr="0">
-            <a:noAutofit/>
-          </a:bodyPr>
+          <a:bodyPr anchor="ctr" anchorCtr="0"/>
           <a:lstStyle>
-            <a:lvl1pPr marL="0" indent="0" algn="l">
-              <a:buNone/>
-              <a:defRPr sz="2000" b="0">
+            <a:lvl1pPr marL="0" indent="0">
+              <a:buNone/>
+              <a:defRPr sz="2400">
                 <a:solidFill>
                   <a:srgbClr val="FBA54A"/>
                 </a:solidFill>
@@ -11263,7 +11253,7 @@
             <a:spLocks noGrp="1"/>
           </p:cNvSpPr>
           <p:nvPr>
-            <p:ph type="body" idx="14" hasCustomPrompt="1"/>
+            <p:ph type="body" idx="23" hasCustomPrompt="1"/>
             <p:custDataLst>
               <p:tags r:id="rId33"/>
             </p:custDataLst>
@@ -11271,21 +11261,16 @@
         </p:nvSpPr>
         <p:spPr>
           <a:xfrm>
-            <a:off x="10128250" y="2061210"/>
-            <a:ext cx="1388745" cy="493395"/>
+            <a:off x="10151110" y="2195830"/>
+            <a:ext cx="1337945" cy="518795"/>
           </a:xfrm>
-          <a:ln>
-            <a:noFill/>
-          </a:ln>
         </p:spPr>
         <p:txBody>
-          <a:bodyPr anchor="ctr" anchorCtr="0">
-            <a:noAutofit/>
-          </a:bodyPr>
+          <a:bodyPr anchor="ctr" anchorCtr="0"/>
           <a:lstStyle>
-            <a:lvl1pPr marL="0" indent="0" algn="l">
-              <a:buNone/>
-              <a:defRPr sz="2000" b="0">
+            <a:lvl1pPr marL="0" indent="0">
+              <a:buNone/>
+              <a:defRPr sz="2400">
                 <a:solidFill>
                   <a:srgbClr val="FBA54A"/>
                 </a:solidFill>
@@ -11389,7 +11374,7 @@
             <a:spLocks noGrp="1"/>
           </p:cNvSpPr>
           <p:nvPr>
-            <p:ph type="body" idx="15" hasCustomPrompt="1"/>
+            <p:ph type="body" idx="14" hasCustomPrompt="1"/>
             <p:custDataLst>
               <p:tags r:id="rId34"/>
             </p:custDataLst>
@@ -11397,21 +11382,16 @@
         </p:nvSpPr>
         <p:spPr>
           <a:xfrm>
-            <a:off x="5794375" y="4423410"/>
-            <a:ext cx="1388745" cy="493395"/>
+            <a:off x="5784215" y="4559300"/>
+            <a:ext cx="1337945" cy="518795"/>
           </a:xfrm>
-          <a:ln>
-            <a:noFill/>
-          </a:ln>
         </p:spPr>
         <p:txBody>
-          <a:bodyPr anchor="ctr" anchorCtr="0">
-            <a:noAutofit/>
-          </a:bodyPr>
+          <a:bodyPr anchor="ctr" anchorCtr="0"/>
           <a:lstStyle>
-            <a:lvl1pPr marL="0" indent="0" algn="l">
-              <a:buNone/>
-              <a:defRPr sz="2000" b="0">
+            <a:lvl1pPr marL="0" indent="0">
+              <a:buNone/>
+              <a:defRPr sz="2400">
                 <a:solidFill>
                   <a:srgbClr val="FBA54A"/>
                 </a:solidFill>
@@ -11515,7 +11495,7 @@
             <a:spLocks noGrp="1"/>
           </p:cNvSpPr>
           <p:nvPr>
-            <p:ph type="body" idx="16" hasCustomPrompt="1"/>
+            <p:ph type="body" idx="15" hasCustomPrompt="1"/>
             <p:custDataLst>
               <p:tags r:id="rId35"/>
             </p:custDataLst>
@@ -11523,21 +11503,16 @@
         </p:nvSpPr>
         <p:spPr>
           <a:xfrm>
-            <a:off x="7923530" y="4387215"/>
-            <a:ext cx="1388745" cy="493395"/>
+            <a:off x="7974330" y="4556760"/>
+            <a:ext cx="1337945" cy="518795"/>
           </a:xfrm>
-          <a:ln>
-            <a:noFill/>
-          </a:ln>
         </p:spPr>
         <p:txBody>
-          <a:bodyPr anchor="ctr" anchorCtr="0">
-            <a:noAutofit/>
-          </a:bodyPr>
+          <a:bodyPr anchor="ctr" anchorCtr="0"/>
           <a:lstStyle>
-            <a:lvl1pPr marL="0" indent="0" algn="l">
-              <a:buNone/>
-              <a:defRPr sz="2000" b="0">
+            <a:lvl1pPr marL="0" indent="0">
+              <a:buNone/>
+              <a:defRPr sz="2400">
                 <a:solidFill>
                   <a:srgbClr val="FBA54A"/>
                 </a:solidFill>
@@ -11641,7 +11616,7 @@
             <a:spLocks noGrp="1"/>
           </p:cNvSpPr>
           <p:nvPr>
-            <p:ph type="body" idx="17" hasCustomPrompt="1"/>
+            <p:ph type="body" idx="16" hasCustomPrompt="1"/>
             <p:custDataLst>
               <p:tags r:id="rId36"/>
             </p:custDataLst>
@@ -11649,21 +11624,16 @@
         </p:nvSpPr>
         <p:spPr>
           <a:xfrm>
-            <a:off x="10129520" y="4387215"/>
-            <a:ext cx="1388745" cy="493395"/>
+            <a:off x="10151110" y="4556760"/>
+            <a:ext cx="1337945" cy="518795"/>
           </a:xfrm>
-          <a:ln>
-            <a:noFill/>
-          </a:ln>
         </p:spPr>
         <p:txBody>
-          <a:bodyPr anchor="ctr" anchorCtr="0">
-            <a:noAutofit/>
-          </a:bodyPr>
+          <a:bodyPr anchor="ctr" anchorCtr="0"/>
           <a:lstStyle>
-            <a:lvl1pPr marL="0" indent="0" algn="l">
-              <a:buNone/>
-              <a:defRPr sz="2000" b="0">
+            <a:lvl1pPr marL="0" indent="0">
+              <a:buNone/>
+              <a:defRPr sz="2400">
                 <a:solidFill>
                   <a:srgbClr val="FBA54A"/>
                 </a:solidFill>
@@ -12695,13 +12665,13 @@
             <a:spLocks noGrp="1"/>
           </p:cNvSpPr>
           <p:nvPr>
-            <p:ph type="body" idx="13"/>
+            <p:ph type="body" idx="1"/>
           </p:nvPr>
         </p:nvSpPr>
         <p:spPr>
           <a:xfrm>
-            <a:off x="5782310" y="2060575"/>
-            <a:ext cx="1388745" cy="493395"/>
+            <a:off x="5784215" y="2195830"/>
+            <a:ext cx="1337945" cy="518795"/>
           </a:xfrm>
         </p:spPr>
         <p:txBody>
@@ -12721,13 +12691,13 @@
             <a:spLocks noGrp="1"/>
           </p:cNvSpPr>
           <p:nvPr>
-            <p:ph type="body" idx="23"/>
+            <p:ph type="body" idx="13"/>
           </p:nvPr>
         </p:nvSpPr>
         <p:spPr>
           <a:xfrm>
-            <a:off x="7933690" y="2061210"/>
-            <a:ext cx="1388745" cy="493395"/>
+            <a:off x="7974330" y="2195830"/>
+            <a:ext cx="1337945" cy="518795"/>
           </a:xfrm>
         </p:spPr>
         <p:txBody>
@@ -12747,13 +12717,13 @@
             <a:spLocks noGrp="1"/>
           </p:cNvSpPr>
           <p:nvPr>
-            <p:ph type="body" idx="14"/>
+            <p:ph type="body" idx="23"/>
           </p:nvPr>
         </p:nvSpPr>
         <p:spPr>
           <a:xfrm>
-            <a:off x="10128250" y="2061210"/>
-            <a:ext cx="1388745" cy="493395"/>
+            <a:off x="10151110" y="2195830"/>
+            <a:ext cx="1337945" cy="518795"/>
           </a:xfrm>
         </p:spPr>
         <p:txBody>
@@ -12773,13 +12743,13 @@
             <a:spLocks noGrp="1"/>
           </p:cNvSpPr>
           <p:nvPr>
-            <p:ph type="body" idx="15"/>
+            <p:ph type="body" idx="14"/>
           </p:nvPr>
         </p:nvSpPr>
         <p:spPr>
           <a:xfrm>
-            <a:off x="5794375" y="4423410"/>
-            <a:ext cx="1388745" cy="493395"/>
+            <a:off x="5784215" y="4559300"/>
+            <a:ext cx="1337945" cy="518795"/>
           </a:xfrm>
         </p:spPr>
         <p:txBody>
@@ -12799,13 +12769,13 @@
             <a:spLocks noGrp="1"/>
           </p:cNvSpPr>
           <p:nvPr>
-            <p:ph type="body" idx="16"/>
+            <p:ph type="body" idx="15"/>
           </p:nvPr>
         </p:nvSpPr>
         <p:spPr>
           <a:xfrm>
-            <a:off x="7923530" y="4387215"/>
-            <a:ext cx="1388745" cy="493395"/>
+            <a:off x="7974330" y="4556760"/>
+            <a:ext cx="1337945" cy="518795"/>
           </a:xfrm>
         </p:spPr>
         <p:txBody>
@@ -12825,13 +12795,13 @@
             <a:spLocks noGrp="1"/>
           </p:cNvSpPr>
           <p:nvPr>
-            <p:ph type="body" idx="17"/>
+            <p:ph type="body" idx="16"/>
           </p:nvPr>
         </p:nvSpPr>
         <p:spPr>
           <a:xfrm>
-            <a:off x="10129520" y="4387215"/>
-            <a:ext cx="1388745" cy="493395"/>
+            <a:off x="10151110" y="4556760"/>
+            <a:ext cx="1337945" cy="518795"/>
           </a:xfrm>
         </p:spPr>
         <p:txBody>
